--- a/居残授業　プレゼン - コピー.pptx
+++ b/居残授業　プレゼン - コピー.pptx
@@ -12,6 +12,7 @@
     <p:sldId id="261" r:id="rId6"/>
     <p:sldId id="262" r:id="rId7"/>
     <p:sldId id="263" r:id="rId8"/>
+    <p:sldId id="264" r:id="rId9"/>
   </p:sldIdLst>
   <p:sldSz cx="12192000" cy="6858000"/>
   <p:notesSz cx="6858000" cy="9144000"/>
@@ -204,7 +205,7 @@
           </a:lstStyle>
           <a:p>
             <a:r>
-              <a:rPr lang="ja-JP" altLang="en-US" smtClean="0"/>
+              <a:rPr lang="ja-JP" altLang="en-US"/>
               <a:t>マスター タイトルの書式設定</a:t>
             </a:r>
             <a:endParaRPr lang="en-US" dirty="0"/>
@@ -323,7 +324,7 @@
           </a:lstStyle>
           <a:p>
             <a:r>
-              <a:rPr lang="ja-JP" altLang="en-US" smtClean="0"/>
+              <a:rPr lang="ja-JP" altLang="en-US"/>
               <a:t>マスター サブタイトルの書式設定</a:t>
             </a:r>
             <a:endParaRPr lang="en-US" dirty="0"/>
@@ -533,7 +534,7 @@
           <a:lstStyle/>
           <a:p>
             <a:r>
-              <a:rPr lang="ja-JP" altLang="en-US" smtClean="0"/>
+              <a:rPr lang="ja-JP" altLang="en-US"/>
               <a:t>マスター タイトルの書式設定</a:t>
             </a:r>
             <a:endParaRPr lang="en-US" dirty="0"/>
@@ -573,67 +574,67 @@
           <a:p>
             <a:pPr lvl="0"/>
             <a:r>
-              <a:rPr lang="ja-JP" altLang="en-US" smtClean="0"/>
+              <a:rPr lang="ja-JP" altLang="en-US"/>
               <a:t>マスター テキストの書式設定</a:t>
             </a:r>
           </a:p>
           <a:p>
             <a:pPr lvl="1"/>
             <a:r>
-              <a:rPr lang="ja-JP" altLang="en-US" smtClean="0"/>
+              <a:rPr lang="ja-JP" altLang="en-US"/>
               <a:t>第 </a:t>
             </a:r>
             <a:r>
-              <a:rPr lang="en-US" altLang="ja-JP" smtClean="0"/>
+              <a:rPr lang="en-US" altLang="ja-JP"/>
               <a:t>2 </a:t>
             </a:r>
             <a:r>
-              <a:rPr lang="ja-JP" altLang="en-US" smtClean="0"/>
+              <a:rPr lang="ja-JP" altLang="en-US"/>
               <a:t>レベル</a:t>
             </a:r>
           </a:p>
           <a:p>
             <a:pPr lvl="2"/>
             <a:r>
-              <a:rPr lang="ja-JP" altLang="en-US" smtClean="0"/>
+              <a:rPr lang="ja-JP" altLang="en-US"/>
               <a:t>第 </a:t>
             </a:r>
             <a:r>
-              <a:rPr lang="en-US" altLang="ja-JP" smtClean="0"/>
+              <a:rPr lang="en-US" altLang="ja-JP"/>
               <a:t>3 </a:t>
             </a:r>
             <a:r>
-              <a:rPr lang="ja-JP" altLang="en-US" smtClean="0"/>
+              <a:rPr lang="ja-JP" altLang="en-US"/>
               <a:t>レベル</a:t>
             </a:r>
           </a:p>
           <a:p>
             <a:pPr lvl="3"/>
             <a:r>
-              <a:rPr lang="ja-JP" altLang="en-US" smtClean="0"/>
+              <a:rPr lang="ja-JP" altLang="en-US"/>
               <a:t>第 </a:t>
             </a:r>
             <a:r>
-              <a:rPr lang="en-US" altLang="ja-JP" smtClean="0"/>
+              <a:rPr lang="en-US" altLang="ja-JP"/>
               <a:t>4 </a:t>
             </a:r>
             <a:r>
-              <a:rPr lang="ja-JP" altLang="en-US" smtClean="0"/>
+              <a:rPr lang="ja-JP" altLang="en-US"/>
               <a:t>レベル</a:t>
             </a:r>
           </a:p>
           <a:p>
             <a:pPr lvl="4"/>
             <a:r>
-              <a:rPr lang="ja-JP" altLang="en-US" smtClean="0"/>
+              <a:rPr lang="ja-JP" altLang="en-US"/>
               <a:t>第 </a:t>
             </a:r>
             <a:r>
-              <a:rPr lang="en-US" altLang="ja-JP" smtClean="0"/>
+              <a:rPr lang="en-US" altLang="ja-JP"/>
               <a:t>5 </a:t>
             </a:r>
             <a:r>
-              <a:rPr lang="ja-JP" altLang="en-US" smtClean="0"/>
+              <a:rPr lang="ja-JP" altLang="en-US"/>
               <a:t>レベル</a:t>
             </a:r>
             <a:endParaRPr lang="en-US" dirty="0"/>
@@ -795,7 +796,7 @@
           <a:lstStyle/>
           <a:p>
             <a:r>
-              <a:rPr lang="ja-JP" altLang="en-US" smtClean="0"/>
+              <a:rPr lang="ja-JP" altLang="en-US"/>
               <a:t>マスター タイトルの書式設定</a:t>
             </a:r>
             <a:endParaRPr lang="en-US" dirty="0"/>
@@ -824,67 +825,67 @@
           <a:p>
             <a:pPr lvl="0"/>
             <a:r>
-              <a:rPr lang="ja-JP" altLang="en-US" smtClean="0"/>
+              <a:rPr lang="ja-JP" altLang="en-US"/>
               <a:t>マスター テキストの書式設定</a:t>
             </a:r>
           </a:p>
           <a:p>
             <a:pPr lvl="1"/>
             <a:r>
-              <a:rPr lang="ja-JP" altLang="en-US" smtClean="0"/>
+              <a:rPr lang="ja-JP" altLang="en-US"/>
               <a:t>第 </a:t>
             </a:r>
             <a:r>
-              <a:rPr lang="en-US" altLang="ja-JP" smtClean="0"/>
+              <a:rPr lang="en-US" altLang="ja-JP"/>
               <a:t>2 </a:t>
             </a:r>
             <a:r>
-              <a:rPr lang="ja-JP" altLang="en-US" smtClean="0"/>
+              <a:rPr lang="ja-JP" altLang="en-US"/>
               <a:t>レベル</a:t>
             </a:r>
           </a:p>
           <a:p>
             <a:pPr lvl="2"/>
             <a:r>
-              <a:rPr lang="ja-JP" altLang="en-US" smtClean="0"/>
+              <a:rPr lang="ja-JP" altLang="en-US"/>
               <a:t>第 </a:t>
             </a:r>
             <a:r>
-              <a:rPr lang="en-US" altLang="ja-JP" smtClean="0"/>
+              <a:rPr lang="en-US" altLang="ja-JP"/>
               <a:t>3 </a:t>
             </a:r>
             <a:r>
-              <a:rPr lang="ja-JP" altLang="en-US" smtClean="0"/>
+              <a:rPr lang="ja-JP" altLang="en-US"/>
               <a:t>レベル</a:t>
             </a:r>
           </a:p>
           <a:p>
             <a:pPr lvl="3"/>
             <a:r>
-              <a:rPr lang="ja-JP" altLang="en-US" smtClean="0"/>
+              <a:rPr lang="ja-JP" altLang="en-US"/>
               <a:t>第 </a:t>
             </a:r>
             <a:r>
-              <a:rPr lang="en-US" altLang="ja-JP" smtClean="0"/>
+              <a:rPr lang="en-US" altLang="ja-JP"/>
               <a:t>4 </a:t>
             </a:r>
             <a:r>
-              <a:rPr lang="ja-JP" altLang="en-US" smtClean="0"/>
+              <a:rPr lang="ja-JP" altLang="en-US"/>
               <a:t>レベル</a:t>
             </a:r>
           </a:p>
           <a:p>
             <a:pPr lvl="4"/>
             <a:r>
-              <a:rPr lang="ja-JP" altLang="en-US" smtClean="0"/>
+              <a:rPr lang="ja-JP" altLang="en-US"/>
               <a:t>第 </a:t>
             </a:r>
             <a:r>
-              <a:rPr lang="en-US" altLang="ja-JP" smtClean="0"/>
+              <a:rPr lang="en-US" altLang="ja-JP"/>
               <a:t>5 </a:t>
             </a:r>
             <a:r>
-              <a:rPr lang="ja-JP" altLang="en-US" smtClean="0"/>
+              <a:rPr lang="ja-JP" altLang="en-US"/>
               <a:t>レベル</a:t>
             </a:r>
             <a:endParaRPr lang="en-US" dirty="0"/>
@@ -1083,7 +1084,7 @@
           <a:lstStyle/>
           <a:p>
             <a:r>
-              <a:rPr lang="ja-JP" altLang="en-US" smtClean="0"/>
+              <a:rPr lang="ja-JP" altLang="en-US"/>
               <a:t>マスター タイトルの書式設定</a:t>
             </a:r>
             <a:endParaRPr lang="en-US" dirty="0"/>
@@ -1112,67 +1113,67 @@
           <a:p>
             <a:pPr lvl="0"/>
             <a:r>
-              <a:rPr lang="ja-JP" altLang="en-US" smtClean="0"/>
+              <a:rPr lang="ja-JP" altLang="en-US"/>
               <a:t>マスター テキストの書式設定</a:t>
             </a:r>
           </a:p>
           <a:p>
             <a:pPr lvl="1"/>
             <a:r>
-              <a:rPr lang="ja-JP" altLang="en-US" smtClean="0"/>
+              <a:rPr lang="ja-JP" altLang="en-US"/>
               <a:t>第 </a:t>
             </a:r>
             <a:r>
-              <a:rPr lang="en-US" altLang="ja-JP" smtClean="0"/>
+              <a:rPr lang="en-US" altLang="ja-JP"/>
               <a:t>2 </a:t>
             </a:r>
             <a:r>
-              <a:rPr lang="ja-JP" altLang="en-US" smtClean="0"/>
+              <a:rPr lang="ja-JP" altLang="en-US"/>
               <a:t>レベル</a:t>
             </a:r>
           </a:p>
           <a:p>
             <a:pPr lvl="2"/>
             <a:r>
-              <a:rPr lang="ja-JP" altLang="en-US" smtClean="0"/>
+              <a:rPr lang="ja-JP" altLang="en-US"/>
               <a:t>第 </a:t>
             </a:r>
             <a:r>
-              <a:rPr lang="en-US" altLang="ja-JP" smtClean="0"/>
+              <a:rPr lang="en-US" altLang="ja-JP"/>
               <a:t>3 </a:t>
             </a:r>
             <a:r>
-              <a:rPr lang="ja-JP" altLang="en-US" smtClean="0"/>
+              <a:rPr lang="ja-JP" altLang="en-US"/>
               <a:t>レベル</a:t>
             </a:r>
           </a:p>
           <a:p>
             <a:pPr lvl="3"/>
             <a:r>
-              <a:rPr lang="ja-JP" altLang="en-US" smtClean="0"/>
+              <a:rPr lang="ja-JP" altLang="en-US"/>
               <a:t>第 </a:t>
             </a:r>
             <a:r>
-              <a:rPr lang="en-US" altLang="ja-JP" smtClean="0"/>
+              <a:rPr lang="en-US" altLang="ja-JP"/>
               <a:t>4 </a:t>
             </a:r>
             <a:r>
-              <a:rPr lang="ja-JP" altLang="en-US" smtClean="0"/>
+              <a:rPr lang="ja-JP" altLang="en-US"/>
               <a:t>レベル</a:t>
             </a:r>
           </a:p>
           <a:p>
             <a:pPr lvl="4"/>
             <a:r>
-              <a:rPr lang="ja-JP" altLang="en-US" smtClean="0"/>
+              <a:rPr lang="ja-JP" altLang="en-US"/>
               <a:t>第 </a:t>
             </a:r>
             <a:r>
-              <a:rPr lang="en-US" altLang="ja-JP" smtClean="0"/>
+              <a:rPr lang="en-US" altLang="ja-JP"/>
               <a:t>5 </a:t>
             </a:r>
             <a:r>
-              <a:rPr lang="ja-JP" altLang="en-US" smtClean="0"/>
+              <a:rPr lang="ja-JP" altLang="en-US"/>
               <a:t>レベル</a:t>
             </a:r>
             <a:endParaRPr lang="en-US" dirty="0"/>
@@ -1349,7 +1350,7 @@
           </a:lstStyle>
           <a:p>
             <a:r>
-              <a:rPr lang="ja-JP" altLang="en-US" smtClean="0"/>
+              <a:rPr lang="ja-JP" altLang="en-US"/>
               <a:t>マスター タイトルの書式設定</a:t>
             </a:r>
             <a:endParaRPr lang="en-US" dirty="0"/>
@@ -1469,7 +1470,7 @@
           <a:p>
             <a:pPr lvl="0"/>
             <a:r>
-              <a:rPr lang="ja-JP" altLang="en-US" smtClean="0"/>
+              <a:rPr lang="ja-JP" altLang="en-US"/>
               <a:t>マスター テキストの書式設定</a:t>
             </a:r>
           </a:p>
@@ -1663,7 +1664,7 @@
           <a:lstStyle/>
           <a:p>
             <a:r>
-              <a:rPr lang="ja-JP" altLang="en-US" smtClean="0"/>
+              <a:rPr lang="ja-JP" altLang="en-US"/>
               <a:t>マスター タイトルの書式設定</a:t>
             </a:r>
             <a:endParaRPr lang="en-US" dirty="0"/>
@@ -1694,67 +1695,67 @@
           <a:p>
             <a:pPr lvl="0"/>
             <a:r>
-              <a:rPr lang="ja-JP" altLang="en-US" smtClean="0"/>
+              <a:rPr lang="ja-JP" altLang="en-US"/>
               <a:t>マスター テキストの書式設定</a:t>
             </a:r>
           </a:p>
           <a:p>
             <a:pPr lvl="1"/>
             <a:r>
-              <a:rPr lang="ja-JP" altLang="en-US" smtClean="0"/>
+              <a:rPr lang="ja-JP" altLang="en-US"/>
               <a:t>第 </a:t>
             </a:r>
             <a:r>
-              <a:rPr lang="en-US" altLang="ja-JP" smtClean="0"/>
+              <a:rPr lang="en-US" altLang="ja-JP"/>
               <a:t>2 </a:t>
             </a:r>
             <a:r>
-              <a:rPr lang="ja-JP" altLang="en-US" smtClean="0"/>
+              <a:rPr lang="ja-JP" altLang="en-US"/>
               <a:t>レベル</a:t>
             </a:r>
           </a:p>
           <a:p>
             <a:pPr lvl="2"/>
             <a:r>
-              <a:rPr lang="ja-JP" altLang="en-US" smtClean="0"/>
+              <a:rPr lang="ja-JP" altLang="en-US"/>
               <a:t>第 </a:t>
             </a:r>
             <a:r>
-              <a:rPr lang="en-US" altLang="ja-JP" smtClean="0"/>
+              <a:rPr lang="en-US" altLang="ja-JP"/>
               <a:t>3 </a:t>
             </a:r>
             <a:r>
-              <a:rPr lang="ja-JP" altLang="en-US" smtClean="0"/>
+              <a:rPr lang="ja-JP" altLang="en-US"/>
               <a:t>レベル</a:t>
             </a:r>
           </a:p>
           <a:p>
             <a:pPr lvl="3"/>
             <a:r>
-              <a:rPr lang="ja-JP" altLang="en-US" smtClean="0"/>
+              <a:rPr lang="ja-JP" altLang="en-US"/>
               <a:t>第 </a:t>
             </a:r>
             <a:r>
-              <a:rPr lang="en-US" altLang="ja-JP" smtClean="0"/>
+              <a:rPr lang="en-US" altLang="ja-JP"/>
               <a:t>4 </a:t>
             </a:r>
             <a:r>
-              <a:rPr lang="ja-JP" altLang="en-US" smtClean="0"/>
+              <a:rPr lang="ja-JP" altLang="en-US"/>
               <a:t>レベル</a:t>
             </a:r>
           </a:p>
           <a:p>
             <a:pPr lvl="4"/>
             <a:r>
-              <a:rPr lang="ja-JP" altLang="en-US" smtClean="0"/>
+              <a:rPr lang="ja-JP" altLang="en-US"/>
               <a:t>第 </a:t>
             </a:r>
             <a:r>
-              <a:rPr lang="en-US" altLang="ja-JP" smtClean="0"/>
+              <a:rPr lang="en-US" altLang="ja-JP"/>
               <a:t>5 </a:t>
             </a:r>
             <a:r>
-              <a:rPr lang="ja-JP" altLang="en-US" smtClean="0"/>
+              <a:rPr lang="ja-JP" altLang="en-US"/>
               <a:t>レベル</a:t>
             </a:r>
             <a:endParaRPr lang="en-US" dirty="0"/>
@@ -1785,67 +1786,67 @@
           <a:p>
             <a:pPr lvl="0"/>
             <a:r>
-              <a:rPr lang="ja-JP" altLang="en-US" smtClean="0"/>
+              <a:rPr lang="ja-JP" altLang="en-US"/>
               <a:t>マスター テキストの書式設定</a:t>
             </a:r>
           </a:p>
           <a:p>
             <a:pPr lvl="1"/>
             <a:r>
-              <a:rPr lang="ja-JP" altLang="en-US" smtClean="0"/>
+              <a:rPr lang="ja-JP" altLang="en-US"/>
               <a:t>第 </a:t>
             </a:r>
             <a:r>
-              <a:rPr lang="en-US" altLang="ja-JP" smtClean="0"/>
+              <a:rPr lang="en-US" altLang="ja-JP"/>
               <a:t>2 </a:t>
             </a:r>
             <a:r>
-              <a:rPr lang="ja-JP" altLang="en-US" smtClean="0"/>
+              <a:rPr lang="ja-JP" altLang="en-US"/>
               <a:t>レベル</a:t>
             </a:r>
           </a:p>
           <a:p>
             <a:pPr lvl="2"/>
             <a:r>
-              <a:rPr lang="ja-JP" altLang="en-US" smtClean="0"/>
+              <a:rPr lang="ja-JP" altLang="en-US"/>
               <a:t>第 </a:t>
             </a:r>
             <a:r>
-              <a:rPr lang="en-US" altLang="ja-JP" smtClean="0"/>
+              <a:rPr lang="en-US" altLang="ja-JP"/>
               <a:t>3 </a:t>
             </a:r>
             <a:r>
-              <a:rPr lang="ja-JP" altLang="en-US" smtClean="0"/>
+              <a:rPr lang="ja-JP" altLang="en-US"/>
               <a:t>レベル</a:t>
             </a:r>
           </a:p>
           <a:p>
             <a:pPr lvl="3"/>
             <a:r>
-              <a:rPr lang="ja-JP" altLang="en-US" smtClean="0"/>
+              <a:rPr lang="ja-JP" altLang="en-US"/>
               <a:t>第 </a:t>
             </a:r>
             <a:r>
-              <a:rPr lang="en-US" altLang="ja-JP" smtClean="0"/>
+              <a:rPr lang="en-US" altLang="ja-JP"/>
               <a:t>4 </a:t>
             </a:r>
             <a:r>
-              <a:rPr lang="ja-JP" altLang="en-US" smtClean="0"/>
+              <a:rPr lang="ja-JP" altLang="en-US"/>
               <a:t>レベル</a:t>
             </a:r>
           </a:p>
           <a:p>
             <a:pPr lvl="4"/>
             <a:r>
-              <a:rPr lang="ja-JP" altLang="en-US" smtClean="0"/>
+              <a:rPr lang="ja-JP" altLang="en-US"/>
               <a:t>第 </a:t>
             </a:r>
             <a:r>
-              <a:rPr lang="en-US" altLang="ja-JP" smtClean="0"/>
+              <a:rPr lang="en-US" altLang="ja-JP"/>
               <a:t>5 </a:t>
             </a:r>
             <a:r>
-              <a:rPr lang="ja-JP" altLang="en-US" smtClean="0"/>
+              <a:rPr lang="ja-JP" altLang="en-US"/>
               <a:t>レベル</a:t>
             </a:r>
             <a:endParaRPr lang="en-US" dirty="0"/>
@@ -2007,7 +2008,7 @@
           <a:lstStyle/>
           <a:p>
             <a:r>
-              <a:rPr lang="ja-JP" altLang="en-US" smtClean="0"/>
+              <a:rPr lang="ja-JP" altLang="en-US"/>
               <a:t>マスター タイトルの書式設定</a:t>
             </a:r>
             <a:endParaRPr lang="en-US" dirty="0"/>
@@ -2079,7 +2080,7 @@
           <a:p>
             <a:pPr lvl="0"/>
             <a:r>
-              <a:rPr lang="ja-JP" altLang="en-US" smtClean="0"/>
+              <a:rPr lang="ja-JP" altLang="en-US"/>
               <a:t>マスター テキストの書式設定</a:t>
             </a:r>
           </a:p>
@@ -2109,67 +2110,67 @@
           <a:p>
             <a:pPr lvl="0"/>
             <a:r>
-              <a:rPr lang="ja-JP" altLang="en-US" smtClean="0"/>
+              <a:rPr lang="ja-JP" altLang="en-US"/>
               <a:t>マスター テキストの書式設定</a:t>
             </a:r>
           </a:p>
           <a:p>
             <a:pPr lvl="1"/>
             <a:r>
-              <a:rPr lang="ja-JP" altLang="en-US" smtClean="0"/>
+              <a:rPr lang="ja-JP" altLang="en-US"/>
               <a:t>第 </a:t>
             </a:r>
             <a:r>
-              <a:rPr lang="en-US" altLang="ja-JP" smtClean="0"/>
+              <a:rPr lang="en-US" altLang="ja-JP"/>
               <a:t>2 </a:t>
             </a:r>
             <a:r>
-              <a:rPr lang="ja-JP" altLang="en-US" smtClean="0"/>
+              <a:rPr lang="ja-JP" altLang="en-US"/>
               <a:t>レベル</a:t>
             </a:r>
           </a:p>
           <a:p>
             <a:pPr lvl="2"/>
             <a:r>
-              <a:rPr lang="ja-JP" altLang="en-US" smtClean="0"/>
+              <a:rPr lang="ja-JP" altLang="en-US"/>
               <a:t>第 </a:t>
             </a:r>
             <a:r>
-              <a:rPr lang="en-US" altLang="ja-JP" smtClean="0"/>
+              <a:rPr lang="en-US" altLang="ja-JP"/>
               <a:t>3 </a:t>
             </a:r>
             <a:r>
-              <a:rPr lang="ja-JP" altLang="en-US" smtClean="0"/>
+              <a:rPr lang="ja-JP" altLang="en-US"/>
               <a:t>レベル</a:t>
             </a:r>
           </a:p>
           <a:p>
             <a:pPr lvl="3"/>
             <a:r>
-              <a:rPr lang="ja-JP" altLang="en-US" smtClean="0"/>
+              <a:rPr lang="ja-JP" altLang="en-US"/>
               <a:t>第 </a:t>
             </a:r>
             <a:r>
-              <a:rPr lang="en-US" altLang="ja-JP" smtClean="0"/>
+              <a:rPr lang="en-US" altLang="ja-JP"/>
               <a:t>4 </a:t>
             </a:r>
             <a:r>
-              <a:rPr lang="ja-JP" altLang="en-US" smtClean="0"/>
+              <a:rPr lang="ja-JP" altLang="en-US"/>
               <a:t>レベル</a:t>
             </a:r>
           </a:p>
           <a:p>
             <a:pPr lvl="4"/>
             <a:r>
-              <a:rPr lang="ja-JP" altLang="en-US" smtClean="0"/>
+              <a:rPr lang="ja-JP" altLang="en-US"/>
               <a:t>第 </a:t>
             </a:r>
             <a:r>
-              <a:rPr lang="en-US" altLang="ja-JP" smtClean="0"/>
+              <a:rPr lang="en-US" altLang="ja-JP"/>
               <a:t>5 </a:t>
             </a:r>
             <a:r>
-              <a:rPr lang="ja-JP" altLang="en-US" smtClean="0"/>
+              <a:rPr lang="ja-JP" altLang="en-US"/>
               <a:t>レベル</a:t>
             </a:r>
             <a:endParaRPr lang="en-US" dirty="0"/>
@@ -2241,7 +2242,7 @@
           <a:p>
             <a:pPr lvl="0"/>
             <a:r>
-              <a:rPr lang="ja-JP" altLang="en-US" smtClean="0"/>
+              <a:rPr lang="ja-JP" altLang="en-US"/>
               <a:t>マスター テキストの書式設定</a:t>
             </a:r>
           </a:p>
@@ -2271,67 +2272,67 @@
           <a:p>
             <a:pPr lvl="0"/>
             <a:r>
-              <a:rPr lang="ja-JP" altLang="en-US" smtClean="0"/>
+              <a:rPr lang="ja-JP" altLang="en-US"/>
               <a:t>マスター テキストの書式設定</a:t>
             </a:r>
           </a:p>
           <a:p>
             <a:pPr lvl="1"/>
             <a:r>
-              <a:rPr lang="ja-JP" altLang="en-US" smtClean="0"/>
+              <a:rPr lang="ja-JP" altLang="en-US"/>
               <a:t>第 </a:t>
             </a:r>
             <a:r>
-              <a:rPr lang="en-US" altLang="ja-JP" smtClean="0"/>
+              <a:rPr lang="en-US" altLang="ja-JP"/>
               <a:t>2 </a:t>
             </a:r>
             <a:r>
-              <a:rPr lang="ja-JP" altLang="en-US" smtClean="0"/>
+              <a:rPr lang="ja-JP" altLang="en-US"/>
               <a:t>レベル</a:t>
             </a:r>
           </a:p>
           <a:p>
             <a:pPr lvl="2"/>
             <a:r>
-              <a:rPr lang="ja-JP" altLang="en-US" smtClean="0"/>
+              <a:rPr lang="ja-JP" altLang="en-US"/>
               <a:t>第 </a:t>
             </a:r>
             <a:r>
-              <a:rPr lang="en-US" altLang="ja-JP" smtClean="0"/>
+              <a:rPr lang="en-US" altLang="ja-JP"/>
               <a:t>3 </a:t>
             </a:r>
             <a:r>
-              <a:rPr lang="ja-JP" altLang="en-US" smtClean="0"/>
+              <a:rPr lang="ja-JP" altLang="en-US"/>
               <a:t>レベル</a:t>
             </a:r>
           </a:p>
           <a:p>
             <a:pPr lvl="3"/>
             <a:r>
-              <a:rPr lang="ja-JP" altLang="en-US" smtClean="0"/>
+              <a:rPr lang="ja-JP" altLang="en-US"/>
               <a:t>第 </a:t>
             </a:r>
             <a:r>
-              <a:rPr lang="en-US" altLang="ja-JP" smtClean="0"/>
+              <a:rPr lang="en-US" altLang="ja-JP"/>
               <a:t>4 </a:t>
             </a:r>
             <a:r>
-              <a:rPr lang="ja-JP" altLang="en-US" smtClean="0"/>
+              <a:rPr lang="ja-JP" altLang="en-US"/>
               <a:t>レベル</a:t>
             </a:r>
           </a:p>
           <a:p>
             <a:pPr lvl="4"/>
             <a:r>
-              <a:rPr lang="ja-JP" altLang="en-US" smtClean="0"/>
+              <a:rPr lang="ja-JP" altLang="en-US"/>
               <a:t>第 </a:t>
             </a:r>
             <a:r>
-              <a:rPr lang="en-US" altLang="ja-JP" smtClean="0"/>
+              <a:rPr lang="en-US" altLang="ja-JP"/>
               <a:t>5 </a:t>
             </a:r>
             <a:r>
-              <a:rPr lang="ja-JP" altLang="en-US" smtClean="0"/>
+              <a:rPr lang="ja-JP" altLang="en-US"/>
               <a:t>レベル</a:t>
             </a:r>
             <a:endParaRPr lang="en-US" dirty="0"/>
@@ -2558,7 +2559,7 @@
           <a:lstStyle/>
           <a:p>
             <a:r>
-              <a:rPr lang="ja-JP" altLang="en-US" smtClean="0"/>
+              <a:rPr lang="ja-JP" altLang="en-US"/>
               <a:t>マスター タイトルの書式設定</a:t>
             </a:r>
             <a:endParaRPr lang="en-US" dirty="0"/>
@@ -2761,7 +2762,7 @@
           </a:lstStyle>
           <a:p>
             <a:r>
-              <a:rPr lang="ja-JP" altLang="en-US" smtClean="0"/>
+              <a:rPr lang="ja-JP" altLang="en-US"/>
               <a:t>マスター タイトルの書式設定</a:t>
             </a:r>
             <a:endParaRPr lang="en-US" dirty="0"/>
@@ -2856,67 +2857,67 @@
           <a:p>
             <a:pPr lvl="0"/>
             <a:r>
-              <a:rPr lang="ja-JP" altLang="en-US" smtClean="0"/>
+              <a:rPr lang="ja-JP" altLang="en-US"/>
               <a:t>マスター テキストの書式設定</a:t>
             </a:r>
           </a:p>
           <a:p>
             <a:pPr lvl="1"/>
             <a:r>
-              <a:rPr lang="ja-JP" altLang="en-US" smtClean="0"/>
+              <a:rPr lang="ja-JP" altLang="en-US"/>
               <a:t>第 </a:t>
             </a:r>
             <a:r>
-              <a:rPr lang="en-US" altLang="ja-JP" smtClean="0"/>
+              <a:rPr lang="en-US" altLang="ja-JP"/>
               <a:t>2 </a:t>
             </a:r>
             <a:r>
-              <a:rPr lang="ja-JP" altLang="en-US" smtClean="0"/>
+              <a:rPr lang="ja-JP" altLang="en-US"/>
               <a:t>レベル</a:t>
             </a:r>
           </a:p>
           <a:p>
             <a:pPr lvl="2"/>
             <a:r>
-              <a:rPr lang="ja-JP" altLang="en-US" smtClean="0"/>
+              <a:rPr lang="ja-JP" altLang="en-US"/>
               <a:t>第 </a:t>
             </a:r>
             <a:r>
-              <a:rPr lang="en-US" altLang="ja-JP" smtClean="0"/>
+              <a:rPr lang="en-US" altLang="ja-JP"/>
               <a:t>3 </a:t>
             </a:r>
             <a:r>
-              <a:rPr lang="ja-JP" altLang="en-US" smtClean="0"/>
+              <a:rPr lang="ja-JP" altLang="en-US"/>
               <a:t>レベル</a:t>
             </a:r>
           </a:p>
           <a:p>
             <a:pPr lvl="3"/>
             <a:r>
-              <a:rPr lang="ja-JP" altLang="en-US" smtClean="0"/>
+              <a:rPr lang="ja-JP" altLang="en-US"/>
               <a:t>第 </a:t>
             </a:r>
             <a:r>
-              <a:rPr lang="en-US" altLang="ja-JP" smtClean="0"/>
+              <a:rPr lang="en-US" altLang="ja-JP"/>
               <a:t>4 </a:t>
             </a:r>
             <a:r>
-              <a:rPr lang="ja-JP" altLang="en-US" smtClean="0"/>
+              <a:rPr lang="ja-JP" altLang="en-US"/>
               <a:t>レベル</a:t>
             </a:r>
           </a:p>
           <a:p>
             <a:pPr lvl="4"/>
             <a:r>
-              <a:rPr lang="ja-JP" altLang="en-US" smtClean="0"/>
+              <a:rPr lang="ja-JP" altLang="en-US"/>
               <a:t>第 </a:t>
             </a:r>
             <a:r>
-              <a:rPr lang="en-US" altLang="ja-JP" smtClean="0"/>
+              <a:rPr lang="en-US" altLang="ja-JP"/>
               <a:t>5 </a:t>
             </a:r>
             <a:r>
-              <a:rPr lang="ja-JP" altLang="en-US" smtClean="0"/>
+              <a:rPr lang="ja-JP" altLang="en-US"/>
               <a:t>レベル</a:t>
             </a:r>
             <a:endParaRPr lang="en-US" dirty="0"/>
@@ -2988,7 +2989,7 @@
           <a:p>
             <a:pPr lvl="0"/>
             <a:r>
-              <a:rPr lang="ja-JP" altLang="en-US" smtClean="0"/>
+              <a:rPr lang="ja-JP" altLang="en-US"/>
               <a:t>マスター テキストの書式設定</a:t>
             </a:r>
           </a:p>
@@ -3153,7 +3154,7 @@
           </a:lstStyle>
           <a:p>
             <a:r>
-              <a:rPr lang="ja-JP" altLang="en-US" smtClean="0"/>
+              <a:rPr lang="ja-JP" altLang="en-US"/>
               <a:t>マスター タイトルの書式設定</a:t>
             </a:r>
             <a:endParaRPr lang="en-US" dirty="0"/>
@@ -3220,7 +3221,7 @@
           </a:lstStyle>
           <a:p>
             <a:r>
-              <a:rPr lang="ja-JP" altLang="en-US" smtClean="0"/>
+              <a:rPr lang="ja-JP" altLang="en-US"/>
               <a:t>図を追加</a:t>
             </a:r>
             <a:endParaRPr lang="en-US" dirty="0"/>
@@ -3288,7 +3289,7 @@
           <a:p>
             <a:pPr lvl="0"/>
             <a:r>
-              <a:rPr lang="ja-JP" altLang="en-US" smtClean="0"/>
+              <a:rPr lang="ja-JP" altLang="en-US"/>
               <a:t>マスター テキストの書式設定</a:t>
             </a:r>
           </a:p>
@@ -3420,7 +3421,7 @@
           <a:lstStyle/>
           <a:p>
             <a:r>
-              <a:rPr lang="ja-JP" altLang="en-US" smtClean="0"/>
+              <a:rPr lang="ja-JP" altLang="en-US"/>
               <a:t>マスター タイトルの書式設定</a:t>
             </a:r>
             <a:endParaRPr lang="en-US" dirty="0"/>
@@ -3454,67 +3455,67 @@
           <a:p>
             <a:pPr lvl="0"/>
             <a:r>
-              <a:rPr lang="ja-JP" altLang="en-US" smtClean="0"/>
+              <a:rPr lang="ja-JP" altLang="en-US"/>
               <a:t>マスター テキストの書式設定</a:t>
             </a:r>
           </a:p>
           <a:p>
             <a:pPr lvl="1"/>
             <a:r>
-              <a:rPr lang="ja-JP" altLang="en-US" smtClean="0"/>
+              <a:rPr lang="ja-JP" altLang="en-US"/>
               <a:t>第 </a:t>
             </a:r>
             <a:r>
-              <a:rPr lang="en-US" altLang="ja-JP" smtClean="0"/>
+              <a:rPr lang="en-US" altLang="ja-JP"/>
               <a:t>2 </a:t>
             </a:r>
             <a:r>
-              <a:rPr lang="ja-JP" altLang="en-US" smtClean="0"/>
+              <a:rPr lang="ja-JP" altLang="en-US"/>
               <a:t>レベル</a:t>
             </a:r>
           </a:p>
           <a:p>
             <a:pPr lvl="2"/>
             <a:r>
-              <a:rPr lang="ja-JP" altLang="en-US" smtClean="0"/>
+              <a:rPr lang="ja-JP" altLang="en-US"/>
               <a:t>第 </a:t>
             </a:r>
             <a:r>
-              <a:rPr lang="en-US" altLang="ja-JP" smtClean="0"/>
+              <a:rPr lang="en-US" altLang="ja-JP"/>
               <a:t>3 </a:t>
             </a:r>
             <a:r>
-              <a:rPr lang="ja-JP" altLang="en-US" smtClean="0"/>
+              <a:rPr lang="ja-JP" altLang="en-US"/>
               <a:t>レベル</a:t>
             </a:r>
           </a:p>
           <a:p>
             <a:pPr lvl="3"/>
             <a:r>
-              <a:rPr lang="ja-JP" altLang="en-US" smtClean="0"/>
+              <a:rPr lang="ja-JP" altLang="en-US"/>
               <a:t>第 </a:t>
             </a:r>
             <a:r>
-              <a:rPr lang="en-US" altLang="ja-JP" smtClean="0"/>
+              <a:rPr lang="en-US" altLang="ja-JP"/>
               <a:t>4 </a:t>
             </a:r>
             <a:r>
-              <a:rPr lang="ja-JP" altLang="en-US" smtClean="0"/>
+              <a:rPr lang="ja-JP" altLang="en-US"/>
               <a:t>レベル</a:t>
             </a:r>
           </a:p>
           <a:p>
             <a:pPr lvl="4"/>
             <a:r>
-              <a:rPr lang="ja-JP" altLang="en-US" smtClean="0"/>
+              <a:rPr lang="ja-JP" altLang="en-US"/>
               <a:t>第 </a:t>
             </a:r>
             <a:r>
-              <a:rPr lang="en-US" altLang="ja-JP" smtClean="0"/>
+              <a:rPr lang="en-US" altLang="ja-JP"/>
               <a:t>5 </a:t>
             </a:r>
             <a:r>
-              <a:rPr lang="ja-JP" altLang="en-US" smtClean="0"/>
+              <a:rPr lang="ja-JP" altLang="en-US"/>
               <a:t>レベル</a:t>
             </a:r>
             <a:endParaRPr lang="en-US" dirty="0"/>
@@ -4171,10 +4172,9 @@
           <a:lstStyle/>
           <a:p>
             <a:r>
-              <a:rPr kumimoji="1" lang="ja-JP" altLang="en-US" dirty="0" smtClean="0"/>
+              <a:rPr kumimoji="1" lang="ja-JP" altLang="en-US" dirty="0"/>
               <a:t>居残授業</a:t>
             </a:r>
-            <a:endParaRPr kumimoji="1" lang="ja-JP" altLang="en-US" dirty="0"/>
           </a:p>
         </p:txBody>
       </p:sp>
@@ -4196,35 +4196,23 @@
           <a:lstStyle/>
           <a:p>
             <a:r>
-              <a:rPr lang="ja-JP" altLang="en-US" dirty="0" smtClean="0"/>
+              <a:rPr lang="ja-JP" altLang="en-US" dirty="0"/>
               <a:t>～</a:t>
             </a:r>
             <a:r>
               <a:rPr lang="en-US" altLang="ja-JP" dirty="0"/>
-              <a:t>We are planning a great </a:t>
-            </a:r>
-            <a:r>
-              <a:rPr lang="en-US" altLang="ja-JP" dirty="0" smtClean="0"/>
-              <a:t>project</a:t>
-            </a:r>
-            <a:r>
-              <a:rPr lang="ja-JP" altLang="en-US" dirty="0" smtClean="0"/>
+              <a:t>We are planning a great project</a:t>
+            </a:r>
+            <a:r>
+              <a:rPr lang="ja-JP" altLang="en-US" dirty="0"/>
               <a:t>～</a:t>
             </a:r>
-            <a:endParaRPr lang="en-US" altLang="ja-JP" dirty="0" smtClean="0"/>
-          </a:p>
-          <a:p>
-            <a:r>
-              <a:rPr lang="en-US" altLang="ja-JP" dirty="0" smtClean="0"/>
-              <a:t>RPG </a:t>
-            </a:r>
+            <a:endParaRPr lang="en-US" altLang="ja-JP" dirty="0"/>
+          </a:p>
+          <a:p>
             <a:r>
               <a:rPr lang="en-US" altLang="ja-JP" dirty="0"/>
-              <a:t>games. Horror games. Escape game. This time, we will announce this great </a:t>
-            </a:r>
-            <a:r>
-              <a:rPr lang="en-US" altLang="ja-JP" dirty="0" smtClean="0"/>
-              <a:t>invention</a:t>
+              <a:t>RPG games. Horror games. Escape game. This time, we will announce this great invention</a:t>
             </a:r>
           </a:p>
         </p:txBody>
@@ -4275,7 +4263,7 @@
           <a:lstStyle/>
           <a:p>
             <a:r>
-              <a:rPr lang="ja-JP" altLang="en-US" dirty="0" smtClean="0"/>
+              <a:rPr lang="ja-JP" altLang="en-US" dirty="0"/>
               <a:t>制作経緯</a:t>
             </a:r>
             <a:endParaRPr kumimoji="1" lang="ja-JP" altLang="en-US" dirty="0"/>
@@ -4347,10 +4335,9 @@
           <a:lstStyle/>
           <a:p>
             <a:r>
-              <a:rPr kumimoji="1" lang="ja-JP" altLang="en-US" dirty="0" smtClean="0"/>
+              <a:rPr kumimoji="1" lang="ja-JP" altLang="en-US" dirty="0"/>
               <a:t>プレゼンテーションの流れ</a:t>
             </a:r>
-            <a:endParaRPr kumimoji="1" lang="ja-JP" altLang="en-US" dirty="0"/>
           </a:p>
         </p:txBody>
       </p:sp>
@@ -4372,44 +4359,44 @@
             <a:pPr marL="0" indent="0">
               <a:buNone/>
             </a:pPr>
-            <a:endParaRPr kumimoji="1" lang="en-US" altLang="ja-JP" dirty="0" smtClean="0"/>
-          </a:p>
-          <a:p>
-            <a:r>
-              <a:rPr lang="ja-JP" altLang="en-US" dirty="0" smtClean="0"/>
+            <a:endParaRPr kumimoji="1" lang="en-US" altLang="ja-JP" dirty="0"/>
+          </a:p>
+          <a:p>
+            <a:r>
+              <a:rPr lang="ja-JP" altLang="en-US" dirty="0"/>
               <a:t>音楽</a:t>
             </a:r>
-            <a:endParaRPr lang="en-US" altLang="ja-JP" dirty="0" smtClean="0"/>
+            <a:endParaRPr lang="en-US" altLang="ja-JP" dirty="0"/>
           </a:p>
           <a:p>
             <a:pPr marL="0" indent="0">
               <a:buNone/>
             </a:pPr>
-            <a:endParaRPr lang="en-US" altLang="ja-JP" dirty="0" smtClean="0"/>
-          </a:p>
-          <a:p>
-            <a:r>
-              <a:rPr lang="ja-JP" altLang="en-US" dirty="0" smtClean="0"/>
+            <a:endParaRPr lang="en-US" altLang="ja-JP" dirty="0"/>
+          </a:p>
+          <a:p>
+            <a:r>
+              <a:rPr lang="ja-JP" altLang="en-US" dirty="0"/>
               <a:t>絵</a:t>
             </a:r>
-            <a:endParaRPr lang="en-US" altLang="ja-JP" dirty="0" smtClean="0"/>
-          </a:p>
-          <a:p>
             <a:endParaRPr lang="en-US" altLang="ja-JP" dirty="0"/>
           </a:p>
           <a:p>
-            <a:r>
-              <a:rPr lang="ja-JP" altLang="en-US" dirty="0" smtClean="0"/>
+            <a:endParaRPr lang="en-US" altLang="ja-JP" dirty="0"/>
+          </a:p>
+          <a:p>
+            <a:r>
+              <a:rPr lang="ja-JP" altLang="en-US" dirty="0"/>
               <a:t>ソースコード</a:t>
             </a:r>
-            <a:endParaRPr lang="en-US" altLang="ja-JP" dirty="0" smtClean="0"/>
-          </a:p>
-          <a:p>
             <a:endParaRPr lang="en-US" altLang="ja-JP" dirty="0"/>
           </a:p>
           <a:p>
-            <a:r>
-              <a:rPr lang="en-US" altLang="ja-JP" dirty="0" smtClean="0"/>
+            <a:endParaRPr lang="en-US" altLang="ja-JP" dirty="0"/>
+          </a:p>
+          <a:p>
+            <a:r>
+              <a:rPr lang="en-US" altLang="ja-JP" dirty="0"/>
               <a:t>CV</a:t>
             </a:r>
           </a:p>
@@ -4533,14 +4520,13 @@
           <a:lstStyle/>
           <a:p>
             <a:r>
-              <a:rPr kumimoji="1" lang="en-US" altLang="ja-JP" dirty="0" smtClean="0"/>
+              <a:rPr kumimoji="1" lang="en-US" altLang="ja-JP" dirty="0"/>
               <a:t>Illustration</a:t>
             </a:r>
             <a:r>
-              <a:rPr kumimoji="1" lang="ja-JP" altLang="en-US" dirty="0" smtClean="0"/>
+              <a:rPr kumimoji="1" lang="ja-JP" altLang="en-US" dirty="0"/>
               <a:t>　キャラクター</a:t>
             </a:r>
-            <a:endParaRPr kumimoji="1" lang="ja-JP" altLang="en-US" dirty="0"/>
           </a:p>
         </p:txBody>
       </p:sp>
@@ -4567,43 +4553,43 @@
           <a:lstStyle/>
           <a:p>
             <a:r>
-              <a:rPr kumimoji="1" lang="ja-JP" altLang="en-US" dirty="0" smtClean="0"/>
+              <a:rPr kumimoji="1" lang="ja-JP" altLang="en-US" dirty="0"/>
               <a:t>イラスト素材担当　鎌野　太雅</a:t>
             </a:r>
-            <a:endParaRPr kumimoji="1" lang="en-US" altLang="ja-JP" dirty="0" smtClean="0"/>
+            <a:endParaRPr kumimoji="1" lang="en-US" altLang="ja-JP" dirty="0"/>
           </a:p>
           <a:p>
             <a:endParaRPr lang="en-US" altLang="ja-JP" dirty="0"/>
           </a:p>
           <a:p>
             <a:r>
-              <a:rPr kumimoji="1" lang="ja-JP" altLang="en-US" dirty="0" smtClean="0"/>
+              <a:rPr kumimoji="1" lang="ja-JP" altLang="en-US" dirty="0"/>
               <a:t>～こだわり　制作に力を入れた箇所～</a:t>
             </a:r>
-            <a:endParaRPr kumimoji="1" lang="en-US" altLang="ja-JP" dirty="0" smtClean="0"/>
-          </a:p>
-          <a:p>
-            <a:endParaRPr kumimoji="1" lang="en-US" altLang="ja-JP" dirty="0" smtClean="0"/>
-          </a:p>
-          <a:p>
-            <a:r>
-              <a:rPr kumimoji="1" lang="ja-JP" altLang="en-US" dirty="0" smtClean="0"/>
+            <a:endParaRPr kumimoji="1" lang="en-US" altLang="ja-JP" dirty="0"/>
+          </a:p>
+          <a:p>
+            <a:endParaRPr kumimoji="1" lang="en-US" altLang="ja-JP" dirty="0"/>
+          </a:p>
+          <a:p>
+            <a:r>
+              <a:rPr kumimoji="1" lang="ja-JP" altLang="en-US" dirty="0"/>
               <a:t>膨大なキャラクターデータを１ドット細かく制作した。</a:t>
             </a:r>
-            <a:endParaRPr kumimoji="1" lang="en-US" altLang="ja-JP" dirty="0" smtClean="0"/>
-          </a:p>
-          <a:p>
-            <a:r>
-              <a:rPr kumimoji="1" lang="ja-JP" altLang="en-US" dirty="0" smtClean="0"/>
+            <a:endParaRPr kumimoji="1" lang="en-US" altLang="ja-JP" dirty="0"/>
+          </a:p>
+          <a:p>
+            <a:r>
+              <a:rPr kumimoji="1" lang="ja-JP" altLang="en-US" dirty="0"/>
               <a:t>主人公３人は制作者がモデルの為、それぞれの骨格や体格　髪型から表情までを丁寧に仕上げた。</a:t>
             </a:r>
-            <a:endParaRPr kumimoji="1" lang="en-US" altLang="ja-JP" dirty="0" smtClean="0"/>
-          </a:p>
-          <a:p>
-            <a:endParaRPr lang="en-US" altLang="ja-JP" dirty="0" smtClean="0"/>
-          </a:p>
-          <a:p>
-            <a:endParaRPr kumimoji="1" lang="en-US" altLang="ja-JP" dirty="0" smtClean="0"/>
+            <a:endParaRPr kumimoji="1" lang="en-US" altLang="ja-JP" dirty="0"/>
+          </a:p>
+          <a:p>
+            <a:endParaRPr lang="en-US" altLang="ja-JP" dirty="0"/>
+          </a:p>
+          <a:p>
+            <a:endParaRPr kumimoji="1" lang="en-US" altLang="ja-JP" dirty="0"/>
           </a:p>
           <a:p>
             <a:endParaRPr lang="en-US" altLang="ja-JP" dirty="0"/>
@@ -4749,11 +4735,11 @@
           <a:lstStyle/>
           <a:p>
             <a:r>
-              <a:rPr lang="en-US" altLang="ja-JP" dirty="0" smtClean="0"/>
+              <a:rPr lang="en-US" altLang="ja-JP" dirty="0"/>
               <a:t>Illustration</a:t>
             </a:r>
             <a:r>
-              <a:rPr lang="ja-JP" altLang="en-US" dirty="0" smtClean="0"/>
+              <a:rPr lang="ja-JP" altLang="en-US" dirty="0"/>
               <a:t>　マップのオブジェクト　</a:t>
             </a:r>
             <a:endParaRPr kumimoji="1" lang="ja-JP" altLang="en-US" dirty="0"/>
@@ -4783,44 +4769,36 @@
           <a:lstStyle/>
           <a:p>
             <a:r>
-              <a:rPr kumimoji="1" lang="ja-JP" altLang="en-US" dirty="0" smtClean="0"/>
+              <a:rPr kumimoji="1" lang="ja-JP" altLang="en-US" dirty="0"/>
               <a:t>～マップ素材でのこだわったところ～</a:t>
             </a:r>
-            <a:endParaRPr kumimoji="1" lang="en-US" altLang="ja-JP" dirty="0" smtClean="0"/>
-          </a:p>
-          <a:p>
-            <a:endParaRPr lang="en-US" altLang="ja-JP" dirty="0" smtClean="0"/>
-          </a:p>
-          <a:p>
-            <a:r>
-              <a:rPr lang="ja-JP" altLang="en-US" dirty="0" smtClean="0"/>
-              <a:t>マップチップ化するので、上下左右繋げても違和感が</a:t>
-            </a:r>
+            <a:endParaRPr kumimoji="1" lang="en-US" altLang="ja-JP" dirty="0"/>
+          </a:p>
+          <a:p>
+            <a:endParaRPr lang="en-US" altLang="ja-JP" dirty="0"/>
+          </a:p>
+          <a:p>
             <a:r>
               <a:rPr lang="ja-JP" altLang="en-US" dirty="0"/>
-              <a:t>ないよう</a:t>
-            </a:r>
-            <a:r>
-              <a:rPr lang="ja-JP" altLang="en-US" dirty="0" smtClean="0"/>
-              <a:t>に描いた。</a:t>
-            </a:r>
-            <a:endParaRPr lang="en-US" altLang="ja-JP" dirty="0" smtClean="0"/>
-          </a:p>
-          <a:p>
-            <a:r>
-              <a:rPr lang="ja-JP" altLang="en-US" dirty="0" smtClean="0"/>
+              <a:t>マップチップ化するので、上下左右繋げても違和感がないように描いた。</a:t>
+            </a:r>
+            <a:endParaRPr lang="en-US" altLang="ja-JP" dirty="0"/>
+          </a:p>
+          <a:p>
+            <a:r>
+              <a:rPr lang="ja-JP" altLang="en-US" dirty="0"/>
               <a:t>机や椅子、観葉植物なども情報量を増やす大切な要素なので、実際の植物や学校の机などの使用を参考に描きました。</a:t>
             </a:r>
             <a:endParaRPr lang="en-US" altLang="ja-JP" dirty="0"/>
           </a:p>
           <a:p>
-            <a:endParaRPr kumimoji="1" lang="en-US" altLang="ja-JP" dirty="0" smtClean="0"/>
+            <a:endParaRPr kumimoji="1" lang="en-US" altLang="ja-JP" dirty="0"/>
           </a:p>
           <a:p>
             <a:endParaRPr lang="en-US" altLang="ja-JP" dirty="0"/>
           </a:p>
           <a:p>
-            <a:endParaRPr kumimoji="1" lang="en-US" altLang="ja-JP" dirty="0" smtClean="0"/>
+            <a:endParaRPr kumimoji="1" lang="en-US" altLang="ja-JP" dirty="0"/>
           </a:p>
           <a:p>
             <a:endParaRPr lang="en-US" altLang="ja-JP" dirty="0"/>
@@ -4966,6 +4944,33 @@
 <file path=ppt/slides/slide7.xml><?xml version="1.0" encoding="utf-8"?>
 <p:sld xmlns:a="http://schemas.openxmlformats.org/drawingml/2006/main" xmlns:r="http://schemas.openxmlformats.org/officeDocument/2006/relationships" xmlns:p="http://schemas.openxmlformats.org/presentationml/2006/main">
   <p:cSld>
+    <p:bg>
+      <p:bgPr>
+        <a:gradFill>
+          <a:gsLst>
+            <a:gs pos="0">
+              <a:schemeClr val="tx2">
+                <a:lumMod val="75000"/>
+              </a:schemeClr>
+            </a:gs>
+            <a:gs pos="35000">
+              <a:srgbClr val="002060"/>
+            </a:gs>
+            <a:gs pos="64000">
+              <a:srgbClr val="0070C0"/>
+            </a:gs>
+            <a:gs pos="100000">
+              <a:schemeClr val="tx2">
+                <a:lumMod val="40000"/>
+                <a:lumOff val="60000"/>
+              </a:schemeClr>
+            </a:gs>
+          </a:gsLst>
+          <a:lin ang="5400000" scaled="1"/>
+        </a:gradFill>
+        <a:effectLst/>
+      </p:bgPr>
+    </p:bg>
     <p:spTree>
       <p:nvGrpSpPr>
         <p:cNvPr id="1" name=""/>
@@ -4990,12 +4995,162 @@
             <p:ph type="title"/>
           </p:nvPr>
         </p:nvSpPr>
-        <p:spPr/>
+        <p:spPr>
+          <a:xfrm>
+            <a:off x="334463" y="606947"/>
+            <a:ext cx="11523077" cy="1215104"/>
+          </a:xfrm>
+          <a:gradFill>
+            <a:gsLst>
+              <a:gs pos="0">
+                <a:schemeClr val="tx2">
+                  <a:lumMod val="63000"/>
+                </a:schemeClr>
+              </a:gs>
+              <a:gs pos="35000">
+                <a:srgbClr val="002060"/>
+              </a:gs>
+              <a:gs pos="64000">
+                <a:srgbClr val="0070C0"/>
+              </a:gs>
+              <a:gs pos="100000">
+                <a:schemeClr val="tx2">
+                  <a:lumMod val="40000"/>
+                  <a:lumOff val="60000"/>
+                </a:schemeClr>
+              </a:gs>
+            </a:gsLst>
+            <a:lin ang="5400000" scaled="1"/>
+          </a:gradFill>
+          <a:effectLst>
+            <a:outerShdw blurRad="50800" dir="5400000" algn="ctr" rotWithShape="0">
+              <a:srgbClr val="000000">
+                <a:alpha val="43137"/>
+              </a:srgbClr>
+            </a:outerShdw>
+          </a:effectLst>
+        </p:spPr>
         <p:txBody>
           <a:bodyPr/>
           <a:lstStyle/>
           <a:p>
-            <a:endParaRPr kumimoji="1" lang="ja-JP" altLang="en-US"/>
+            <a:r>
+              <a:rPr kumimoji="1" lang="ja-JP" altLang="en-US" dirty="0">
+                <a:gradFill>
+                  <a:gsLst>
+                    <a:gs pos="0">
+                      <a:schemeClr val="bg1">
+                        <a:lumMod val="0"/>
+                        <a:lumOff val="100000"/>
+                      </a:schemeClr>
+                    </a:gs>
+                    <a:gs pos="35000">
+                      <a:schemeClr val="accent1">
+                        <a:lumMod val="40000"/>
+                        <a:lumOff val="60000"/>
+                      </a:schemeClr>
+                    </a:gs>
+                    <a:gs pos="64000">
+                      <a:schemeClr val="accent1">
+                        <a:lumMod val="60000"/>
+                        <a:lumOff val="40000"/>
+                      </a:schemeClr>
+                    </a:gs>
+                    <a:gs pos="100000">
+                      <a:schemeClr val="accent1">
+                        <a:lumMod val="50000"/>
+                      </a:schemeClr>
+                    </a:gs>
+                  </a:gsLst>
+                  <a:lin ang="5400000" scaled="1"/>
+                </a:gradFill>
+                <a:effectLst>
+                  <a:outerShdw blurRad="50800" dist="114300" dir="5400000" algn="ctr" rotWithShape="0">
+                    <a:srgbClr val="000000">
+                      <a:alpha val="43137"/>
+                    </a:srgbClr>
+                  </a:outerShdw>
+                </a:effectLst>
+              </a:rPr>
+              <a:t>プログラム</a:t>
+            </a:r>
+            <a:r>
+              <a:rPr lang="ja-JP" altLang="en-US" dirty="0">
+                <a:gradFill>
+                  <a:gsLst>
+                    <a:gs pos="0">
+                      <a:schemeClr val="bg1">
+                        <a:lumMod val="0"/>
+                        <a:lumOff val="100000"/>
+                      </a:schemeClr>
+                    </a:gs>
+                    <a:gs pos="35000">
+                      <a:schemeClr val="accent1">
+                        <a:lumMod val="40000"/>
+                        <a:lumOff val="60000"/>
+                      </a:schemeClr>
+                    </a:gs>
+                    <a:gs pos="64000">
+                      <a:schemeClr val="accent1">
+                        <a:lumMod val="60000"/>
+                        <a:lumOff val="40000"/>
+                      </a:schemeClr>
+                    </a:gs>
+                    <a:gs pos="100000">
+                      <a:schemeClr val="accent1">
+                        <a:lumMod val="50000"/>
+                      </a:schemeClr>
+                    </a:gs>
+                  </a:gsLst>
+                  <a:lin ang="5400000" scaled="1"/>
+                </a:gradFill>
+                <a:effectLst>
+                  <a:outerShdw blurRad="50800" dist="114300" dir="5400000" algn="ctr" rotWithShape="0">
+                    <a:srgbClr val="000000">
+                      <a:alpha val="43137"/>
+                    </a:srgbClr>
+                  </a:outerShdw>
+                </a:effectLst>
+              </a:rPr>
+              <a:t>およびマップの配置</a:t>
+            </a:r>
+            <a:endParaRPr kumimoji="1" lang="ja-JP" altLang="en-US" dirty="0">
+              <a:gradFill>
+                <a:gsLst>
+                  <a:gs pos="0">
+                    <a:schemeClr val="bg1">
+                      <a:lumMod val="0"/>
+                      <a:lumOff val="100000"/>
+                    </a:schemeClr>
+                  </a:gs>
+                  <a:gs pos="35000">
+                    <a:schemeClr val="accent1">
+                      <a:lumMod val="40000"/>
+                      <a:lumOff val="60000"/>
+                    </a:schemeClr>
+                  </a:gs>
+                  <a:gs pos="64000">
+                    <a:schemeClr val="accent1">
+                      <a:lumMod val="60000"/>
+                      <a:lumOff val="40000"/>
+                    </a:schemeClr>
+                  </a:gs>
+                  <a:gs pos="100000">
+                    <a:schemeClr val="accent1">
+                      <a:lumMod val="50000"/>
+                    </a:schemeClr>
+                  </a:gs>
+                </a:gsLst>
+                <a:lin ang="5400000" scaled="1"/>
+              </a:gradFill>
+              <a:effectLst>
+                <a:outerShdw blurRad="50800" dist="114300" dir="5400000" algn="ctr" rotWithShape="0">
+                  <a:srgbClr val="000000">
+                    <a:alpha val="43137"/>
+                  </a:srgbClr>
+                </a:outerShdw>
+              </a:effectLst>
+            </a:endParaRPr>
           </a:p>
         </p:txBody>
       </p:sp>
@@ -5009,19 +5164,859 @@
             <p:ph idx="1"/>
           </p:nvPr>
         </p:nvSpPr>
-        <p:spPr/>
+        <p:spPr>
+          <a:xfrm>
+            <a:off x="334460" y="1724024"/>
+            <a:ext cx="8477083" cy="1974451"/>
+          </a:xfrm>
+          <a:noFill/>
+        </p:spPr>
         <p:txBody>
           <a:bodyPr/>
           <a:lstStyle/>
           <a:p>
-            <a:endParaRPr kumimoji="1" lang="ja-JP" altLang="en-US"/>
-          </a:p>
-        </p:txBody>
-      </p:sp>
+            <a:r>
+              <a:rPr kumimoji="1" lang="ja-JP" altLang="en-US" sz="2400" dirty="0">
+                <a:gradFill>
+                  <a:gsLst>
+                    <a:gs pos="0">
+                      <a:schemeClr val="bg1"/>
+                    </a:gs>
+                    <a:gs pos="35000">
+                      <a:schemeClr val="accent3">
+                        <a:lumMod val="40000"/>
+                        <a:lumOff val="60000"/>
+                      </a:schemeClr>
+                    </a:gs>
+                    <a:gs pos="64000">
+                      <a:srgbClr val="0070C0"/>
+                    </a:gs>
+                    <a:gs pos="100000">
+                      <a:schemeClr val="tx2">
+                        <a:lumMod val="40000"/>
+                        <a:lumOff val="60000"/>
+                      </a:schemeClr>
+                    </a:gs>
+                  </a:gsLst>
+                  <a:lin ang="5400000" scaled="1"/>
+                </a:gradFill>
+              </a:rPr>
+              <a:t>プログラムのこだわった点</a:t>
+            </a:r>
+            <a:endParaRPr kumimoji="1" lang="en-US" altLang="ja-JP" sz="2400" dirty="0">
+              <a:gradFill>
+                <a:gsLst>
+                  <a:gs pos="0">
+                    <a:schemeClr val="bg1"/>
+                  </a:gs>
+                  <a:gs pos="35000">
+                    <a:schemeClr val="accent3">
+                      <a:lumMod val="40000"/>
+                      <a:lumOff val="60000"/>
+                    </a:schemeClr>
+                  </a:gs>
+                  <a:gs pos="64000">
+                    <a:srgbClr val="0070C0"/>
+                  </a:gs>
+                  <a:gs pos="100000">
+                    <a:schemeClr val="tx2">
+                      <a:lumMod val="40000"/>
+                      <a:lumOff val="60000"/>
+                    </a:schemeClr>
+                  </a:gs>
+                </a:gsLst>
+                <a:lin ang="5400000" scaled="1"/>
+              </a:gradFill>
+            </a:endParaRPr>
+          </a:p>
+          <a:p>
+            <a:r>
+              <a:rPr lang="ja-JP" altLang="en-US" dirty="0">
+                <a:gradFill>
+                  <a:gsLst>
+                    <a:gs pos="0">
+                      <a:schemeClr val="bg1"/>
+                    </a:gs>
+                    <a:gs pos="35000">
+                      <a:schemeClr val="accent3">
+                        <a:lumMod val="40000"/>
+                        <a:lumOff val="60000"/>
+                      </a:schemeClr>
+                    </a:gs>
+                    <a:gs pos="64000">
+                      <a:srgbClr val="0070C0"/>
+                    </a:gs>
+                    <a:gs pos="100000">
+                      <a:schemeClr val="tx2">
+                        <a:lumMod val="40000"/>
+                        <a:lumOff val="60000"/>
+                      </a:schemeClr>
+                    </a:gs>
+                  </a:gsLst>
+                  <a:lin ang="5400000" scaled="1"/>
+                </a:gradFill>
+              </a:rPr>
+              <a:t>フォルダごとにコードの種類をまとめたので、コードが多くても探しやすい。</a:t>
+            </a:r>
+            <a:endParaRPr lang="en-US" altLang="ja-JP" dirty="0">
+              <a:gradFill>
+                <a:gsLst>
+                  <a:gs pos="0">
+                    <a:schemeClr val="bg1"/>
+                  </a:gs>
+                  <a:gs pos="35000">
+                    <a:schemeClr val="accent3">
+                      <a:lumMod val="40000"/>
+                      <a:lumOff val="60000"/>
+                    </a:schemeClr>
+                  </a:gs>
+                  <a:gs pos="64000">
+                    <a:srgbClr val="0070C0"/>
+                  </a:gs>
+                  <a:gs pos="100000">
+                    <a:schemeClr val="tx2">
+                      <a:lumMod val="40000"/>
+                      <a:lumOff val="60000"/>
+                    </a:schemeClr>
+                  </a:gs>
+                </a:gsLst>
+                <a:lin ang="5400000" scaled="1"/>
+              </a:gradFill>
+            </a:endParaRPr>
+          </a:p>
+          <a:p>
+            <a:r>
+              <a:rPr lang="ja-JP" altLang="en-US" dirty="0">
+                <a:gradFill>
+                  <a:gsLst>
+                    <a:gs pos="0">
+                      <a:schemeClr val="bg1"/>
+                    </a:gs>
+                    <a:gs pos="35000">
+                      <a:schemeClr val="accent3">
+                        <a:lumMod val="40000"/>
+                        <a:lumOff val="60000"/>
+                      </a:schemeClr>
+                    </a:gs>
+                    <a:gs pos="64000">
+                      <a:srgbClr val="0070C0"/>
+                    </a:gs>
+                    <a:gs pos="100000">
+                      <a:schemeClr val="tx2">
+                        <a:lumMod val="40000"/>
+                        <a:lumOff val="60000"/>
+                      </a:schemeClr>
+                    </a:gs>
+                  </a:gsLst>
+                  <a:lin ang="5400000" scaled="1"/>
+                </a:gradFill>
+              </a:rPr>
+              <a:t>また、できる限り軽量化を図ってコードをまとめたりした。</a:t>
+            </a:r>
+            <a:endParaRPr lang="en-US" altLang="ja-JP" dirty="0">
+              <a:gradFill>
+                <a:gsLst>
+                  <a:gs pos="0">
+                    <a:schemeClr val="bg1"/>
+                  </a:gs>
+                  <a:gs pos="35000">
+                    <a:schemeClr val="accent3">
+                      <a:lumMod val="40000"/>
+                      <a:lumOff val="60000"/>
+                    </a:schemeClr>
+                  </a:gs>
+                  <a:gs pos="64000">
+                    <a:srgbClr val="0070C0"/>
+                  </a:gs>
+                  <a:gs pos="100000">
+                    <a:schemeClr val="tx2">
+                      <a:lumMod val="40000"/>
+                      <a:lumOff val="60000"/>
+                    </a:schemeClr>
+                  </a:gs>
+                </a:gsLst>
+                <a:lin ang="5400000" scaled="1"/>
+              </a:gradFill>
+            </a:endParaRPr>
+          </a:p>
+          <a:p>
+            <a:endParaRPr kumimoji="1" lang="ja-JP" altLang="en-US" dirty="0"/>
+          </a:p>
+        </p:txBody>
+      </p:sp>
+      <p:pic>
+        <p:nvPicPr>
+          <p:cNvPr id="1026" name="Picture 2" descr="ソース画像を表示">
+            <a:extLst>
+              <a:ext uri="{FF2B5EF4-FFF2-40B4-BE49-F238E27FC236}">
+                <a16:creationId xmlns:a16="http://schemas.microsoft.com/office/drawing/2014/main" id="{49BC495D-631E-3658-8501-0D5911B73C92}"/>
+              </a:ext>
+            </a:extLst>
+          </p:cNvPr>
+          <p:cNvPicPr>
+            <a:picLocks noChangeAspect="1" noChangeArrowheads="1"/>
+          </p:cNvPicPr>
+          <p:nvPr/>
+        </p:nvPicPr>
+        <p:blipFill>
+          <a:blip r:embed="rId2">
+            <a:extLst>
+              <a:ext uri="{28A0092B-C50C-407E-A947-70E740481C1C}">
+                <a14:useLocalDpi xmlns:a14="http://schemas.microsoft.com/office/drawing/2010/main" val="0"/>
+              </a:ext>
+            </a:extLst>
+          </a:blip>
+          <a:srcRect/>
+          <a:stretch>
+            <a:fillRect/>
+          </a:stretch>
+        </p:blipFill>
+        <p:spPr bwMode="auto">
+          <a:xfrm>
+            <a:off x="-2" y="3143355"/>
+            <a:ext cx="12192000" cy="3861390"/>
+          </a:xfrm>
+          <a:prstGeom prst="rect">
+            <a:avLst/>
+          </a:prstGeom>
+          <a:noFill/>
+          <a:extLst>
+            <a:ext uri="{909E8E84-426E-40DD-AFC4-6F175D3DCCD1}">
+              <a14:hiddenFill xmlns:a14="http://schemas.microsoft.com/office/drawing/2010/main">
+                <a:solidFill>
+                  <a:srgbClr val="FFFFFF"/>
+                </a:solidFill>
+              </a14:hiddenFill>
+            </a:ext>
+          </a:extLst>
+        </p:spPr>
+      </p:pic>
     </p:spTree>
     <p:extLst>
       <p:ext uri="{BB962C8B-B14F-4D97-AF65-F5344CB8AC3E}">
         <p14:creationId xmlns:p14="http://schemas.microsoft.com/office/powerpoint/2010/main" val="3891965245"/>
+      </p:ext>
+    </p:extLst>
+  </p:cSld>
+  <p:clrMapOvr>
+    <a:masterClrMapping/>
+  </p:clrMapOvr>
+  <p:timing>
+    <p:tnLst>
+      <p:par>
+        <p:cTn id="1" dur="indefinite" restart="never" nodeType="tmRoot">
+          <p:childTnLst>
+            <p:seq concurrent="1" nextAc="seek">
+              <p:cTn id="2" dur="indefinite" nodeType="mainSeq">
+                <p:childTnLst>
+                  <p:par>
+                    <p:cTn id="3" fill="hold">
+                      <p:stCondLst>
+                        <p:cond delay="indefinite"/>
+                      </p:stCondLst>
+                      <p:childTnLst>
+                        <p:par>
+                          <p:cTn id="4" fill="hold">
+                            <p:stCondLst>
+                              <p:cond delay="0"/>
+                            </p:stCondLst>
+                            <p:childTnLst>
+                              <p:par>
+                                <p:cTn id="5" presetID="14" presetClass="entr" presetSubtype="10" fill="hold" nodeType="clickEffect">
+                                  <p:stCondLst>
+                                    <p:cond delay="0"/>
+                                  </p:stCondLst>
+                                  <p:childTnLst>
+                                    <p:set>
+                                      <p:cBhvr>
+                                        <p:cTn id="6" dur="1" fill="hold">
+                                          <p:stCondLst>
+                                            <p:cond delay="0"/>
+                                          </p:stCondLst>
+                                        </p:cTn>
+                                        <p:tgtEl>
+                                          <p:spTgt spid="1026"/>
+                                        </p:tgtEl>
+                                        <p:attrNameLst>
+                                          <p:attrName>style.visibility</p:attrName>
+                                        </p:attrNameLst>
+                                      </p:cBhvr>
+                                      <p:to>
+                                        <p:strVal val="visible"/>
+                                      </p:to>
+                                    </p:set>
+                                    <p:animEffect transition="in" filter="randombar(horizontal)">
+                                      <p:cBhvr>
+                                        <p:cTn id="7" dur="500"/>
+                                        <p:tgtEl>
+                                          <p:spTgt spid="1026"/>
+                                        </p:tgtEl>
+                                      </p:cBhvr>
+                                    </p:animEffect>
+                                  </p:childTnLst>
+                                </p:cTn>
+                              </p:par>
+                            </p:childTnLst>
+                          </p:cTn>
+                        </p:par>
+                      </p:childTnLst>
+                    </p:cTn>
+                  </p:par>
+                  <p:par>
+                    <p:cTn id="8" fill="hold">
+                      <p:stCondLst>
+                        <p:cond delay="indefinite"/>
+                      </p:stCondLst>
+                      <p:childTnLst>
+                        <p:par>
+                          <p:cTn id="9" fill="hold">
+                            <p:stCondLst>
+                              <p:cond delay="0"/>
+                            </p:stCondLst>
+                            <p:childTnLst>
+                              <p:par>
+                                <p:cTn id="10" presetID="26" presetClass="emph" presetSubtype="0" fill="hold" nodeType="clickEffect">
+                                  <p:stCondLst>
+                                    <p:cond delay="0"/>
+                                  </p:stCondLst>
+                                  <p:childTnLst>
+                                    <p:animEffect transition="out" filter="fade">
+                                      <p:cBhvr>
+                                        <p:cTn id="11" dur="500" tmFilter="0, 0; .2, .5; .8, .5; 1, 0"/>
+                                        <p:tgtEl>
+                                          <p:spTgt spid="1026"/>
+                                        </p:tgtEl>
+                                      </p:cBhvr>
+                                    </p:animEffect>
+                                    <p:animScale>
+                                      <p:cBhvr>
+                                        <p:cTn id="12" dur="250" autoRev="1" fill="hold"/>
+                                        <p:tgtEl>
+                                          <p:spTgt spid="1026"/>
+                                        </p:tgtEl>
+                                      </p:cBhvr>
+                                      <p:by x="105000" y="105000"/>
+                                    </p:animScale>
+                                  </p:childTnLst>
+                                </p:cTn>
+                              </p:par>
+                            </p:childTnLst>
+                          </p:cTn>
+                        </p:par>
+                      </p:childTnLst>
+                    </p:cTn>
+                  </p:par>
+                  <p:par>
+                    <p:cTn id="13" fill="hold">
+                      <p:stCondLst>
+                        <p:cond delay="indefinite"/>
+                      </p:stCondLst>
+                      <p:childTnLst>
+                        <p:par>
+                          <p:cTn id="14" fill="hold">
+                            <p:stCondLst>
+                              <p:cond delay="0"/>
+                            </p:stCondLst>
+                            <p:childTnLst>
+                              <p:par>
+                                <p:cTn id="15" presetID="26" presetClass="emph" presetSubtype="0" fill="hold" nodeType="clickEffect">
+                                  <p:stCondLst>
+                                    <p:cond delay="0"/>
+                                  </p:stCondLst>
+                                  <p:childTnLst>
+                                    <p:animEffect transition="out" filter="fade">
+                                      <p:cBhvr>
+                                        <p:cTn id="16" dur="500" tmFilter="0, 0; .2, .5; .8, .5; 1, 0"/>
+                                        <p:tgtEl>
+                                          <p:spTgt spid="1026"/>
+                                        </p:tgtEl>
+                                      </p:cBhvr>
+                                    </p:animEffect>
+                                    <p:animScale>
+                                      <p:cBhvr>
+                                        <p:cTn id="17" dur="250" autoRev="1" fill="hold"/>
+                                        <p:tgtEl>
+                                          <p:spTgt spid="1026"/>
+                                        </p:tgtEl>
+                                      </p:cBhvr>
+                                      <p:by x="105000" y="105000"/>
+                                    </p:animScale>
+                                  </p:childTnLst>
+                                </p:cTn>
+                              </p:par>
+                            </p:childTnLst>
+                          </p:cTn>
+                        </p:par>
+                      </p:childTnLst>
+                    </p:cTn>
+                  </p:par>
+                  <p:par>
+                    <p:cTn id="18" fill="hold">
+                      <p:stCondLst>
+                        <p:cond delay="indefinite"/>
+                      </p:stCondLst>
+                      <p:childTnLst>
+                        <p:par>
+                          <p:cTn id="19" fill="hold">
+                            <p:stCondLst>
+                              <p:cond delay="0"/>
+                            </p:stCondLst>
+                            <p:childTnLst>
+                              <p:par>
+                                <p:cTn id="20" presetID="14" presetClass="exit" presetSubtype="10" fill="hold" nodeType="clickEffect">
+                                  <p:stCondLst>
+                                    <p:cond delay="0"/>
+                                  </p:stCondLst>
+                                  <p:childTnLst>
+                                    <p:animEffect transition="out" filter="randombar(horizontal)">
+                                      <p:cBhvr>
+                                        <p:cTn id="21" dur="500"/>
+                                        <p:tgtEl>
+                                          <p:spTgt spid="1026"/>
+                                        </p:tgtEl>
+                                      </p:cBhvr>
+                                    </p:animEffect>
+                                    <p:set>
+                                      <p:cBhvr>
+                                        <p:cTn id="22" dur="1" fill="hold">
+                                          <p:stCondLst>
+                                            <p:cond delay="499"/>
+                                          </p:stCondLst>
+                                        </p:cTn>
+                                        <p:tgtEl>
+                                          <p:spTgt spid="1026"/>
+                                        </p:tgtEl>
+                                        <p:attrNameLst>
+                                          <p:attrName>style.visibility</p:attrName>
+                                        </p:attrNameLst>
+                                      </p:cBhvr>
+                                      <p:to>
+                                        <p:strVal val="hidden"/>
+                                      </p:to>
+                                    </p:set>
+                                  </p:childTnLst>
+                                </p:cTn>
+                              </p:par>
+                            </p:childTnLst>
+                          </p:cTn>
+                        </p:par>
+                      </p:childTnLst>
+                    </p:cTn>
+                  </p:par>
+                </p:childTnLst>
+              </p:cTn>
+              <p:prevCondLst>
+                <p:cond evt="onPrev" delay="0">
+                  <p:tgtEl>
+                    <p:sldTgt/>
+                  </p:tgtEl>
+                </p:cond>
+              </p:prevCondLst>
+              <p:nextCondLst>
+                <p:cond evt="onNext" delay="0">
+                  <p:tgtEl>
+                    <p:sldTgt/>
+                  </p:tgtEl>
+                </p:cond>
+              </p:nextCondLst>
+            </p:seq>
+          </p:childTnLst>
+        </p:cTn>
+      </p:par>
+    </p:tnLst>
+  </p:timing>
+</p:sld>
+</file>
+
+<file path=ppt/slides/slide8.xml><?xml version="1.0" encoding="utf-8"?>
+<p:sld xmlns:a="http://schemas.openxmlformats.org/drawingml/2006/main" xmlns:r="http://schemas.openxmlformats.org/officeDocument/2006/relationships" xmlns:p="http://schemas.openxmlformats.org/presentationml/2006/main">
+  <p:cSld>
+    <p:bg>
+      <p:bgPr>
+        <a:gradFill>
+          <a:gsLst>
+            <a:gs pos="0">
+              <a:schemeClr val="tx1"/>
+            </a:gs>
+            <a:gs pos="38000">
+              <a:schemeClr val="bg2">
+                <a:lumMod val="75000"/>
+              </a:schemeClr>
+            </a:gs>
+            <a:gs pos="69000">
+              <a:schemeClr val="tx2">
+                <a:lumMod val="75000"/>
+              </a:schemeClr>
+            </a:gs>
+            <a:gs pos="100000">
+              <a:schemeClr val="tx2">
+                <a:lumMod val="40000"/>
+                <a:lumOff val="60000"/>
+              </a:schemeClr>
+            </a:gs>
+          </a:gsLst>
+          <a:lin ang="5400000" scaled="1"/>
+        </a:gradFill>
+        <a:effectLst/>
+      </p:bgPr>
+    </p:bg>
+    <p:spTree>
+      <p:nvGrpSpPr>
+        <p:cNvPr id="1" name=""/>
+        <p:cNvGrpSpPr/>
+        <p:nvPr/>
+      </p:nvGrpSpPr>
+      <p:grpSpPr>
+        <a:xfrm>
+          <a:off x="0" y="0"/>
+          <a:ext cx="0" cy="0"/>
+          <a:chOff x="0" y="0"/>
+          <a:chExt cx="0" cy="0"/>
+        </a:xfrm>
+      </p:grpSpPr>
+      <p:sp>
+        <p:nvSpPr>
+          <p:cNvPr id="2" name="タイトル 1">
+            <a:extLst>
+              <a:ext uri="{FF2B5EF4-FFF2-40B4-BE49-F238E27FC236}">
+                <a16:creationId xmlns:a16="http://schemas.microsoft.com/office/drawing/2014/main" id="{A18F1CA1-4896-B6ED-6E3B-2A3808F2EF3E}"/>
+              </a:ext>
+            </a:extLst>
+          </p:cNvPr>
+          <p:cNvSpPr>
+            <a:spLocks noGrp="1"/>
+          </p:cNvSpPr>
+          <p:nvPr>
+            <p:ph type="title"/>
+          </p:nvPr>
+        </p:nvSpPr>
+        <p:spPr>
+          <a:xfrm>
+            <a:off x="581192" y="702155"/>
+            <a:ext cx="11029616" cy="1013800"/>
+          </a:xfrm>
+          <a:solidFill>
+            <a:schemeClr val="tx2">
+              <a:alpha val="0"/>
+            </a:schemeClr>
+          </a:solidFill>
+        </p:spPr>
+        <p:txBody>
+          <a:bodyPr/>
+          <a:lstStyle/>
+          <a:p>
+            <a:r>
+              <a:rPr kumimoji="1" lang="ja-JP" altLang="en-US" dirty="0"/>
+              <a:t>プログラム</a:t>
+            </a:r>
+            <a:r>
+              <a:rPr lang="ja-JP" altLang="en-US" dirty="0"/>
+              <a:t>およびマップの配置</a:t>
+            </a:r>
+            <a:endParaRPr kumimoji="1" lang="ja-JP" altLang="en-US" dirty="0"/>
+          </a:p>
+        </p:txBody>
+      </p:sp>
+      <p:sp>
+        <p:nvSpPr>
+          <p:cNvPr id="3" name="コンテンツ プレースホルダー 2">
+            <a:extLst>
+              <a:ext uri="{FF2B5EF4-FFF2-40B4-BE49-F238E27FC236}">
+                <a16:creationId xmlns:a16="http://schemas.microsoft.com/office/drawing/2014/main" id="{84B5E2C5-1990-BEFD-81A4-78AF367BADB2}"/>
+              </a:ext>
+            </a:extLst>
+          </p:cNvPr>
+          <p:cNvSpPr>
+            <a:spLocks noGrp="1"/>
+          </p:cNvSpPr>
+          <p:nvPr>
+            <p:ph idx="1"/>
+          </p:nvPr>
+        </p:nvSpPr>
+        <p:spPr>
+          <a:xfrm>
+            <a:off x="9728815" y="2066292"/>
+            <a:ext cx="2483498" cy="4441372"/>
+          </a:xfrm>
+        </p:spPr>
+        <p:txBody>
+          <a:bodyPr>
+            <a:normAutofit/>
+          </a:bodyPr>
+          <a:lstStyle/>
+          <a:p>
+            <a:r>
+              <a:rPr lang="ja-JP" altLang="en-US" dirty="0">
+                <a:gradFill>
+                  <a:gsLst>
+                    <a:gs pos="1000">
+                      <a:srgbClr val="C00000"/>
+                    </a:gs>
+                    <a:gs pos="38000">
+                      <a:srgbClr val="FF0000"/>
+                    </a:gs>
+                    <a:gs pos="69000">
+                      <a:srgbClr val="FF0000"/>
+                    </a:gs>
+                    <a:gs pos="100000">
+                      <a:srgbClr val="C00000"/>
+                    </a:gs>
+                  </a:gsLst>
+                  <a:lin ang="5400000" scaled="1"/>
+                </a:gradFill>
+                <a:effectLst>
+                  <a:glow>
+                    <a:schemeClr val="accent1">
+                      <a:alpha val="0"/>
+                    </a:schemeClr>
+                  </a:glow>
+                  <a:outerShdw blurRad="50800" dist="25400" dir="5400000" algn="ctr" rotWithShape="0">
+                    <a:srgbClr val="000000">
+                      <a:alpha val="43137"/>
+                    </a:srgbClr>
+                  </a:outerShdw>
+                </a:effectLst>
+              </a:rPr>
+              <a:t>マップの配置</a:t>
+            </a:r>
+            <a:endParaRPr lang="en-US" altLang="ja-JP" dirty="0">
+              <a:gradFill>
+                <a:gsLst>
+                  <a:gs pos="1000">
+                    <a:srgbClr val="C00000"/>
+                  </a:gs>
+                  <a:gs pos="38000">
+                    <a:srgbClr val="FF0000"/>
+                  </a:gs>
+                  <a:gs pos="69000">
+                    <a:srgbClr val="FF0000"/>
+                  </a:gs>
+                  <a:gs pos="100000">
+                    <a:srgbClr val="C00000"/>
+                  </a:gs>
+                </a:gsLst>
+                <a:lin ang="5400000" scaled="1"/>
+              </a:gradFill>
+              <a:effectLst>
+                <a:glow>
+                  <a:schemeClr val="accent1">
+                    <a:alpha val="0"/>
+                  </a:schemeClr>
+                </a:glow>
+                <a:outerShdw blurRad="50800" dist="25400" dir="5400000" algn="ctr" rotWithShape="0">
+                  <a:srgbClr val="000000">
+                    <a:alpha val="43137"/>
+                  </a:srgbClr>
+                </a:outerShdw>
+              </a:effectLst>
+            </a:endParaRPr>
+          </a:p>
+          <a:p>
+            <a:r>
+              <a:rPr lang="ja-JP" altLang="en-US" dirty="0">
+                <a:gradFill>
+                  <a:gsLst>
+                    <a:gs pos="1000">
+                      <a:srgbClr val="C00000"/>
+                    </a:gs>
+                    <a:gs pos="38000">
+                      <a:srgbClr val="FF0000"/>
+                    </a:gs>
+                    <a:gs pos="69000">
+                      <a:srgbClr val="FF0000"/>
+                    </a:gs>
+                    <a:gs pos="100000">
+                      <a:srgbClr val="C00000"/>
+                    </a:gs>
+                  </a:gsLst>
+                  <a:lin ang="5400000" scaled="1"/>
+                </a:gradFill>
+                <a:effectLst>
+                  <a:glow>
+                    <a:schemeClr val="accent1">
+                      <a:alpha val="0"/>
+                    </a:schemeClr>
+                  </a:glow>
+                  <a:outerShdw blurRad="50800" dist="25400" dir="5400000" algn="ctr" rotWithShape="0">
+                    <a:srgbClr val="000000">
+                      <a:alpha val="43137"/>
+                    </a:srgbClr>
+                  </a:outerShdw>
+                </a:effectLst>
+              </a:rPr>
+              <a:t>極力、同じ構成にして統一感を図った。ただ、統一感を出すだけだと変化がなくて、</a:t>
+            </a:r>
+            <a:endParaRPr lang="en-US" altLang="ja-JP" dirty="0">
+              <a:gradFill>
+                <a:gsLst>
+                  <a:gs pos="1000">
+                    <a:srgbClr val="C00000"/>
+                  </a:gs>
+                  <a:gs pos="38000">
+                    <a:srgbClr val="FF0000"/>
+                  </a:gs>
+                  <a:gs pos="69000">
+                    <a:srgbClr val="FF0000"/>
+                  </a:gs>
+                  <a:gs pos="100000">
+                    <a:srgbClr val="C00000"/>
+                  </a:gs>
+                </a:gsLst>
+                <a:lin ang="5400000" scaled="1"/>
+              </a:gradFill>
+              <a:effectLst>
+                <a:glow>
+                  <a:schemeClr val="accent1">
+                    <a:alpha val="0"/>
+                  </a:schemeClr>
+                </a:glow>
+                <a:outerShdw blurRad="50800" dist="25400" dir="5400000" algn="ctr" rotWithShape="0">
+                  <a:srgbClr val="000000">
+                    <a:alpha val="43137"/>
+                  </a:srgbClr>
+                </a:outerShdw>
+              </a:effectLst>
+            </a:endParaRPr>
+          </a:p>
+          <a:p>
+            <a:r>
+              <a:rPr lang="ja-JP" altLang="en-US" dirty="0">
+                <a:gradFill>
+                  <a:gsLst>
+                    <a:gs pos="1000">
+                      <a:srgbClr val="C00000"/>
+                    </a:gs>
+                    <a:gs pos="38000">
+                      <a:srgbClr val="FF0000"/>
+                    </a:gs>
+                    <a:gs pos="69000">
+                      <a:srgbClr val="FF0000"/>
+                    </a:gs>
+                    <a:gs pos="100000">
+                      <a:srgbClr val="C00000"/>
+                    </a:gs>
+                  </a:gsLst>
+                  <a:lin ang="5400000" scaled="1"/>
+                </a:gradFill>
+                <a:effectLst>
+                  <a:glow>
+                    <a:schemeClr val="accent1">
+                      <a:alpha val="0"/>
+                    </a:schemeClr>
+                  </a:glow>
+                  <a:outerShdw blurRad="50800" dist="25400" dir="5400000" algn="ctr" rotWithShape="0">
+                    <a:srgbClr val="000000">
+                      <a:alpha val="43137"/>
+                    </a:srgbClr>
+                  </a:outerShdw>
+                </a:effectLst>
+              </a:rPr>
+              <a:t>面白みが出ないため、小道具などの配置を変えたりすることによって、プレイヤーの好奇心を刺激するよう狙って作りまして</a:t>
+            </a:r>
+            <a:r>
+              <a:rPr lang="ja-JP" altLang="en-US" dirty="0">
+                <a:gradFill>
+                  <a:gsLst>
+                    <a:gs pos="1000">
+                      <a:srgbClr val="C00000"/>
+                    </a:gs>
+                    <a:gs pos="38000">
+                      <a:srgbClr val="FF0000"/>
+                    </a:gs>
+                    <a:gs pos="69000">
+                      <a:srgbClr val="FF0000"/>
+                    </a:gs>
+                    <a:gs pos="100000">
+                      <a:srgbClr val="C00000"/>
+                    </a:gs>
+                  </a:gsLst>
+                  <a:lin ang="5400000" scaled="1"/>
+                </a:gradFill>
+              </a:rPr>
+              <a:t>。</a:t>
+            </a:r>
+            <a:endParaRPr lang="en-US" altLang="ja-JP" dirty="0">
+              <a:gradFill>
+                <a:gsLst>
+                  <a:gs pos="1000">
+                    <a:srgbClr val="C00000"/>
+                  </a:gs>
+                  <a:gs pos="38000">
+                    <a:srgbClr val="FF0000"/>
+                  </a:gs>
+                  <a:gs pos="69000">
+                    <a:srgbClr val="FF0000"/>
+                  </a:gs>
+                  <a:gs pos="100000">
+                    <a:srgbClr val="C00000"/>
+                  </a:gs>
+                </a:gsLst>
+                <a:lin ang="5400000" scaled="1"/>
+              </a:gradFill>
+            </a:endParaRPr>
+          </a:p>
+          <a:p>
+            <a:pPr marL="0" indent="0">
+              <a:buNone/>
+            </a:pPr>
+            <a:endParaRPr lang="en-US" altLang="ja-JP" dirty="0"/>
+          </a:p>
+          <a:p>
+            <a:endParaRPr kumimoji="1" lang="ja-JP" altLang="en-US" dirty="0"/>
+          </a:p>
+        </p:txBody>
+      </p:sp>
+      <p:pic>
+        <p:nvPicPr>
+          <p:cNvPr id="1026" name="Picture 2" descr="ソース画像を表示">
+            <a:extLst>
+              <a:ext uri="{FF2B5EF4-FFF2-40B4-BE49-F238E27FC236}">
+                <a16:creationId xmlns:a16="http://schemas.microsoft.com/office/drawing/2014/main" id="{014C1341-6D07-8E7D-2F01-E69736C35502}"/>
+              </a:ext>
+            </a:extLst>
+          </p:cNvPr>
+          <p:cNvPicPr>
+            <a:picLocks noChangeAspect="1" noChangeArrowheads="1"/>
+          </p:cNvPicPr>
+          <p:nvPr/>
+        </p:nvPicPr>
+        <p:blipFill>
+          <a:blip r:embed="rId2" cstate="print">
+            <a:extLst>
+              <a:ext uri="{28A0092B-C50C-407E-A947-70E740481C1C}">
+                <a14:useLocalDpi xmlns:a14="http://schemas.microsoft.com/office/drawing/2010/main" val="0"/>
+              </a:ext>
+            </a:extLst>
+          </a:blip>
+          <a:srcRect/>
+          <a:stretch>
+            <a:fillRect/>
+          </a:stretch>
+        </p:blipFill>
+        <p:spPr bwMode="auto">
+          <a:xfrm>
+            <a:off x="0" y="1"/>
+            <a:ext cx="9728815" cy="6858000"/>
+          </a:xfrm>
+          <a:prstGeom prst="rect">
+            <a:avLst/>
+          </a:prstGeom>
+          <a:noFill/>
+          <a:extLst>
+            <a:ext uri="{909E8E84-426E-40DD-AFC4-6F175D3DCCD1}">
+              <a14:hiddenFill xmlns:a14="http://schemas.microsoft.com/office/drawing/2010/main">
+                <a:solidFill>
+                  <a:srgbClr val="FFFFFF"/>
+                </a:solidFill>
+              </a14:hiddenFill>
+            </a:ext>
+          </a:extLst>
+        </p:spPr>
+      </p:pic>
+    </p:spTree>
+    <p:extLst>
+      <p:ext uri="{BB962C8B-B14F-4D97-AF65-F5344CB8AC3E}">
+        <p14:creationId xmlns:p14="http://schemas.microsoft.com/office/powerpoint/2010/main" val="2634108334"/>
       </p:ext>
     </p:extLst>
   </p:cSld>
